--- a/Mini Project.pptx
+++ b/Mini Project.pptx
@@ -32496,7 +32496,7 @@
             </a:pPr>
             <a:r>
               <a:rPr lang="en-US" dirty="0"/>
-              <a:t>In the context of our project, which involves both frontend (React.js) and backend (Node.js with Express.js) components, CORS is essential for handling requests across different origins.</a:t>
+              <a:t>In the context of my project, which involves both frontend (React.js) and backend (Node.js with Express.js) components, CORS is essential for handling requests across different origins.</a:t>
             </a:r>
           </a:p>
         </p:txBody>
